--- a/20230919_HP-IBの概要/003_1975年頃のHP-IBシステムの概要.pptx
+++ b/20230919_HP-IBの概要/003_1975年頃のHP-IBシステムの概要.pptx
@@ -3658,7 +3658,7 @@
         </p:nvSpPr>
         <p:spPr>
           <a:xfrm>
-            <a:off x="2617886" y="1041479"/>
+            <a:off x="2617886" y="1106796"/>
             <a:ext cx="2082621" cy="461665"/>
           </a:xfrm>
           <a:prstGeom prst="rect">
@@ -3727,7 +3727,7 @@
         </p:nvSpPr>
         <p:spPr>
           <a:xfrm>
-            <a:off x="1091259" y="2224053"/>
+            <a:off x="1212562" y="2233384"/>
             <a:ext cx="1261884" cy="646331"/>
           </a:xfrm>
           <a:prstGeom prst="rect">
@@ -3804,7 +3804,7 @@
         </p:nvSpPr>
         <p:spPr>
           <a:xfrm>
-            <a:off x="9544992" y="2543242"/>
+            <a:off x="9414358" y="2533911"/>
             <a:ext cx="1261884" cy="646331"/>
           </a:xfrm>
           <a:prstGeom prst="rect">
@@ -3882,7 +3882,7 @@
         </p:nvSpPr>
         <p:spPr>
           <a:xfrm>
-            <a:off x="9544992" y="4950362"/>
+            <a:off x="9414358" y="4903707"/>
             <a:ext cx="800219" cy="461665"/>
           </a:xfrm>
           <a:prstGeom prst="rect">
@@ -4044,7 +4044,7 @@
         </p:nvSpPr>
         <p:spPr>
           <a:xfrm>
-            <a:off x="9544992" y="3494406"/>
+            <a:off x="9414358" y="3513068"/>
             <a:ext cx="1569660" cy="646331"/>
           </a:xfrm>
           <a:prstGeom prst="rect">
@@ -4124,7 +4124,7 @@
         </p:nvCxnSpPr>
         <p:spPr>
           <a:xfrm flipH="1">
-            <a:off x="3650226" y="1513191"/>
+            <a:off x="3650226" y="1578508"/>
             <a:ext cx="0" cy="252000"/>
           </a:xfrm>
           <a:prstGeom prst="straightConnector1">
@@ -4168,7 +4168,7 @@
         </p:nvCxnSpPr>
         <p:spPr>
           <a:xfrm flipV="1">
-            <a:off x="2427765" y="2539344"/>
+            <a:off x="2493082" y="2539344"/>
             <a:ext cx="252000" cy="0"/>
           </a:xfrm>
           <a:prstGeom prst="straightConnector1">
@@ -4257,7 +4257,7 @@
         </p:nvCxnSpPr>
         <p:spPr>
           <a:xfrm flipH="1">
-            <a:off x="9223291" y="2858536"/>
+            <a:off x="9148643" y="2858536"/>
             <a:ext cx="288000" cy="0"/>
           </a:xfrm>
           <a:prstGeom prst="straightConnector1">
@@ -4301,7 +4301,7 @@
         </p:nvCxnSpPr>
         <p:spPr>
           <a:xfrm flipH="1">
-            <a:off x="9223291" y="3832253"/>
+            <a:off x="9148643" y="3832253"/>
             <a:ext cx="288000" cy="0"/>
           </a:xfrm>
           <a:prstGeom prst="straightConnector1">
@@ -4345,7 +4345,7 @@
         </p:nvCxnSpPr>
         <p:spPr>
           <a:xfrm flipH="1">
-            <a:off x="9223291" y="5135028"/>
+            <a:off x="9148643" y="5135028"/>
             <a:ext cx="288000" cy="0"/>
           </a:xfrm>
           <a:prstGeom prst="straightConnector1">
@@ -4387,8 +4387,8 @@
         </p:nvSpPr>
         <p:spPr>
           <a:xfrm>
-            <a:off x="4036168" y="254123"/>
-            <a:ext cx="3122284" cy="433553"/>
+            <a:off x="4213452" y="515390"/>
+            <a:ext cx="3301821" cy="433553"/>
           </a:xfrm>
           <a:prstGeom prst="rect">
             <a:avLst/>
@@ -4439,8 +4439,19 @@
                 <a:latin typeface="メイリオ" panose="020B0604030504040204" pitchFamily="50" charset="-128"/>
                 <a:ea typeface="メイリオ" panose="020B0604030504040204" pitchFamily="50" charset="-128"/>
               </a:rPr>
-              <a:t>システムの例</a:t>
-            </a:r>
+              <a:t>システムの</a:t>
+            </a:r>
+            <a:r>
+              <a:rPr lang="ja-JP" altLang="en-US" sz="1400">
+                <a:latin typeface="メイリオ" panose="020B0604030504040204" pitchFamily="50" charset="-128"/>
+                <a:ea typeface="メイリオ" panose="020B0604030504040204" pitchFamily="50" charset="-128"/>
+              </a:rPr>
+              <a:t>一例</a:t>
+            </a:r>
+            <a:endParaRPr kumimoji="1" lang="ja-JP" altLang="en-US" sz="1400">
+              <a:latin typeface="メイリオ" panose="020B0604030504040204" pitchFamily="50" charset="-128"/>
+              <a:ea typeface="メイリオ" panose="020B0604030504040204" pitchFamily="50" charset="-128"/>
+            </a:endParaRPr>
           </a:p>
         </p:txBody>
       </p:sp>
@@ -4458,8 +4469,8 @@
         </p:nvSpPr>
         <p:spPr>
           <a:xfrm>
-            <a:off x="2932295" y="5915650"/>
-            <a:ext cx="6853158" cy="276999"/>
+            <a:off x="1663682" y="5170929"/>
+            <a:ext cx="4633000" cy="461665"/>
           </a:xfrm>
           <a:prstGeom prst="rect">
             <a:avLst/>
@@ -4498,8 +4509,14 @@
                 <a:latin typeface="メイリオ" panose="020B0604030504040204" pitchFamily="50" charset="-128"/>
                 <a:ea typeface="メイリオ" panose="020B0604030504040204" pitchFamily="50" charset="-128"/>
               </a:rPr>
-              <a:t> より引用　</a:t>
-            </a:r>
+              <a:t> より引用</a:t>
+            </a:r>
+            <a:endParaRPr lang="en-US" altLang="ja-JP" sz="1200">
+              <a:latin typeface="メイリオ" panose="020B0604030504040204" pitchFamily="50" charset="-128"/>
+              <a:ea typeface="メイリオ" panose="020B0604030504040204" pitchFamily="50" charset="-128"/>
+            </a:endParaRPr>
+          </a:p>
+          <a:p>
             <a:r>
               <a:rPr kumimoji="1" lang="en-US" altLang="ja-JP" sz="1200">
                 <a:latin typeface="メイリオ" panose="020B0604030504040204" pitchFamily="50" charset="-128"/>
@@ -4575,8 +4592,8 @@
         </p:nvSpPr>
         <p:spPr>
           <a:xfrm>
-            <a:off x="9544992" y="1499852"/>
-            <a:ext cx="1620957" cy="461665"/>
+            <a:off x="9414358" y="1369218"/>
+            <a:ext cx="1107996" cy="646331"/>
           </a:xfrm>
           <a:prstGeom prst="rect">
             <a:avLst/>
@@ -4604,7 +4621,7 @@
                 <a:latin typeface="メイリオ" panose="020B0604030504040204" pitchFamily="50" charset="-128"/>
                 <a:ea typeface="メイリオ" panose="020B0604030504040204" pitchFamily="50" charset="-128"/>
               </a:rPr>
-              <a:t>社製ペンプロッタ</a:t>
+              <a:t>社製</a:t>
             </a:r>
             <a:endParaRPr lang="en-US" altLang="ja-JP" sz="1200">
               <a:latin typeface="メイリオ" panose="020B0604030504040204" pitchFamily="50" charset="-128"/>
@@ -4613,11 +4630,24 @@
           </a:p>
           <a:p>
             <a:r>
+              <a:rPr lang="ja-JP" altLang="en-US" sz="1200">
+                <a:latin typeface="メイリオ" panose="020B0604030504040204" pitchFamily="50" charset="-128"/>
+                <a:ea typeface="メイリオ" panose="020B0604030504040204" pitchFamily="50" charset="-128"/>
+              </a:rPr>
+              <a:t>ペンプロッタ</a:t>
+            </a:r>
+            <a:endParaRPr lang="en-US" altLang="ja-JP" sz="1200">
+              <a:latin typeface="メイリオ" panose="020B0604030504040204" pitchFamily="50" charset="-128"/>
+              <a:ea typeface="メイリオ" panose="020B0604030504040204" pitchFamily="50" charset="-128"/>
+            </a:endParaRPr>
+          </a:p>
+          <a:p>
+            <a:r>
               <a:rPr kumimoji="1" lang="en-US" altLang="ja-JP" sz="1200" b="1">
                 <a:latin typeface="メイリオ" panose="020B0604030504040204" pitchFamily="50" charset="-128"/>
                 <a:ea typeface="メイリオ" panose="020B0604030504040204" pitchFamily="50" charset="-128"/>
               </a:rPr>
-              <a:t>9862A </a:t>
+              <a:t>HP 9862A </a:t>
             </a:r>
           </a:p>
         </p:txBody>
@@ -4638,7 +4668,7 @@
         </p:nvCxnSpPr>
         <p:spPr>
           <a:xfrm flipH="1">
-            <a:off x="9223291" y="1684518"/>
+            <a:off x="9148643" y="1684518"/>
             <a:ext cx="288000" cy="0"/>
           </a:xfrm>
           <a:prstGeom prst="straightConnector1">
